--- a/lectures/Lecture 1 - Introduction.pptx
+++ b/lectures/Lecture 1 - Introduction.pptx
@@ -24040,7 +24040,7 @@
               <a:buNone/>
             </a:pPr>
             <a:r>
-              <a:rPr lang="en-US"/>
+              <a:rPr lang="en-US" dirty="0"/>
               <a:t>Agenda</a:t>
             </a:r>
           </a:p>
@@ -24058,7 +24058,7 @@
         </p:nvSpPr>
         <p:spPr>
           <a:xfrm>
-            <a:off x="457200" y="1200150"/>
+            <a:off x="362932" y="879638"/>
             <a:ext cx="8229600" cy="3394500"/>
           </a:xfrm>
           <a:prstGeom prst="rect">
@@ -24319,7 +24319,97 @@
                   <a:srgbClr val="000000"/>
                 </a:solidFill>
               </a:rPr>
-              <a:t>Lab 6 - Analytics</a:t>
+              <a:t>Lab 6 </a:t>
+            </a:r>
+            <a:r>
+              <a:rPr lang="en-US" dirty="0" smtClean="0">
+                <a:solidFill>
+                  <a:srgbClr val="000000"/>
+                </a:solidFill>
+              </a:rPr>
+              <a:t>– Analytics</a:t>
+            </a:r>
+          </a:p>
+          <a:p>
+            <a:pPr marL="457200" indent="-228600">
+              <a:spcBef>
+                <a:spcPts val="0"/>
+              </a:spcBef>
+              <a:buClr>
+                <a:srgbClr val="000000"/>
+              </a:buClr>
+            </a:pPr>
+            <a:r>
+              <a:rPr lang="en-US" dirty="0" smtClean="0">
+                <a:solidFill>
+                  <a:srgbClr val="000000"/>
+                </a:solidFill>
+              </a:rPr>
+              <a:t>Graph</a:t>
+            </a:r>
+            <a:endParaRPr lang="en-US" dirty="0">
+              <a:solidFill>
+                <a:srgbClr val="000000"/>
+              </a:solidFill>
+            </a:endParaRPr>
+          </a:p>
+          <a:p>
+            <a:pPr marL="857250" lvl="1" indent="-228600">
+              <a:spcBef>
+                <a:spcPts val="0"/>
+              </a:spcBef>
+              <a:buClr>
+                <a:srgbClr val="000000"/>
+              </a:buClr>
+            </a:pPr>
+            <a:r>
+              <a:rPr lang="en-US" dirty="0" smtClean="0">
+                <a:solidFill>
+                  <a:srgbClr val="000000"/>
+                </a:solidFill>
+              </a:rPr>
+              <a:t>Lecture - Graph</a:t>
+            </a:r>
+            <a:endParaRPr lang="en-US" dirty="0" smtClean="0">
+              <a:solidFill>
+                <a:srgbClr val="000000"/>
+              </a:solidFill>
+            </a:endParaRPr>
+          </a:p>
+          <a:p>
+            <a:pPr marL="857250" lvl="1" indent="-228600">
+              <a:spcBef>
+                <a:spcPts val="0"/>
+              </a:spcBef>
+              <a:buClr>
+                <a:srgbClr val="000000"/>
+              </a:buClr>
+            </a:pPr>
+            <a:r>
+              <a:rPr lang="en-US" dirty="0" smtClean="0">
+                <a:solidFill>
+                  <a:srgbClr val="000000"/>
+                </a:solidFill>
+              </a:rPr>
+              <a:t>Lab 7 – Graph</a:t>
+            </a:r>
+          </a:p>
+          <a:p>
+            <a:pPr marL="457200" indent="-228600">
+              <a:spcBef>
+                <a:spcPts val="0"/>
+              </a:spcBef>
+              <a:buClr>
+                <a:srgbClr val="000000"/>
+              </a:buClr>
+            </a:pPr>
+            <a:r>
+              <a:rPr lang="en-US" dirty="0" smtClean="0">
+                <a:solidFill>
+                  <a:srgbClr val="000000"/>
+                </a:solidFill>
+              </a:rPr>
+              <a:t>Operations</a:t>
             </a:r>
           </a:p>
           <a:p>
@@ -24332,12 +24422,51 @@
               </a:buClr>
             </a:pPr>
             <a:r>
+              <a:rPr lang="en-US" dirty="0" smtClean="0">
+                <a:solidFill>
+                  <a:srgbClr val="000000"/>
+                </a:solidFill>
+              </a:rPr>
+              <a:t>Lecture - Operations</a:t>
+            </a:r>
+            <a:endParaRPr lang="en-US" dirty="0">
+              <a:solidFill>
+                <a:srgbClr val="000000"/>
+              </a:solidFill>
+            </a:endParaRPr>
+          </a:p>
+          <a:p>
+            <a:pPr marL="857250" lvl="1" indent="-228600">
+              <a:spcBef>
+                <a:spcPts val="0"/>
+              </a:spcBef>
+              <a:buClr>
+                <a:srgbClr val="000000"/>
+              </a:buClr>
+            </a:pPr>
+            <a:r>
               <a:rPr lang="en-US" dirty="0">
                 <a:solidFill>
                   <a:srgbClr val="000000"/>
                 </a:solidFill>
               </a:rPr>
-              <a:t>Lab 7 - Operations</a:t>
+              <a:t>Lab </a:t>
+            </a:r>
+            <a:r>
+              <a:rPr lang="en-US" dirty="0" smtClean="0">
+                <a:solidFill>
+                  <a:srgbClr val="000000"/>
+                </a:solidFill>
+              </a:rPr>
+              <a:t>8 </a:t>
+            </a:r>
+            <a:r>
+              <a:rPr lang="en-US" dirty="0">
+                <a:solidFill>
+                  <a:srgbClr val="000000"/>
+                </a:solidFill>
+              </a:rPr>
+              <a:t>- Operations</a:t>
             </a:r>
           </a:p>
           <a:p>

--- a/lectures/Lecture 1 - Introduction.pptx
+++ b/lectures/Lecture 1 - Introduction.pptx
@@ -24040,9 +24040,10 @@
               <a:buNone/>
             </a:pPr>
             <a:r>
-              <a:rPr lang="en-US" dirty="0"/>
+              <a:rPr lang="en-US" smtClean="0"/>
               <a:t>Agenda</a:t>
             </a:r>
+            <a:endParaRPr lang="en-US" dirty="0"/>
           </a:p>
         </p:txBody>
       </p:sp>
@@ -24058,15 +24059,15 @@
         </p:nvSpPr>
         <p:spPr>
           <a:xfrm>
-            <a:off x="362932" y="879638"/>
-            <a:ext cx="8229600" cy="3394500"/>
+            <a:off x="362932" y="1063378"/>
+            <a:ext cx="8229600" cy="3210759"/>
           </a:xfrm>
           <a:prstGeom prst="rect">
             <a:avLst/>
           </a:prstGeom>
         </p:spPr>
         <p:txBody>
-          <a:bodyPr lIns="91425" tIns="91425" rIns="91425" bIns="91425" anchor="t" anchorCtr="0">
+          <a:bodyPr lIns="91425" tIns="91425" rIns="91425" bIns="91425" numCol="1" anchor="t" anchorCtr="0">
             <a:noAutofit/>
           </a:bodyPr>
           <a:lstStyle/>
@@ -24080,48 +24081,12 @@
               </a:buClr>
             </a:pPr>
             <a:r>
-              <a:rPr lang="en-US" dirty="0">
+              <a:rPr lang="en-US" sz="1800" dirty="0" smtClean="0">
                 <a:solidFill>
                   <a:srgbClr val="000000"/>
                 </a:solidFill>
               </a:rPr>
-              <a:t>Introduction</a:t>
-            </a:r>
-          </a:p>
-          <a:p>
-            <a:pPr marL="857250" lvl="1" indent="-228600">
-              <a:spcBef>
-                <a:spcPts val="0"/>
-              </a:spcBef>
-              <a:buClr>
-                <a:srgbClr val="000000"/>
-              </a:buClr>
-            </a:pPr>
-            <a:r>
-              <a:rPr lang="en-US" dirty="0">
-                <a:solidFill>
-                  <a:srgbClr val="000000"/>
-                </a:solidFill>
-              </a:rPr>
-              <a:t>Lecture - Introduction to DataStax Enterprise</a:t>
-            </a:r>
-          </a:p>
-          <a:p>
-            <a:pPr marL="857250" lvl="1" indent="-228600">
-              <a:spcBef>
-                <a:spcPts val="0"/>
-              </a:spcBef>
-              <a:buClr>
-                <a:srgbClr val="000000"/>
-              </a:buClr>
-            </a:pPr>
-            <a:r>
-              <a:rPr lang="en-US" dirty="0">
-                <a:solidFill>
-                  <a:srgbClr val="000000"/>
-                </a:solidFill>
-              </a:rPr>
-              <a:t>Lab 1 - Accessing the Cluster</a:t>
+              <a:t>9:00-9:30 Coffee/Breakfast </a:t>
             </a:r>
           </a:p>
           <a:p>
@@ -24134,84 +24099,12 @@
               </a:buClr>
             </a:pPr>
             <a:r>
-              <a:rPr lang="en-US" dirty="0">
+              <a:rPr lang="en-US" sz="1800" dirty="0" smtClean="0">
                 <a:solidFill>
                   <a:srgbClr val="000000"/>
                 </a:solidFill>
               </a:rPr>
-              <a:t>Data Modeling</a:t>
-            </a:r>
-          </a:p>
-          <a:p>
-            <a:pPr marL="857250" lvl="1" indent="-228600">
-              <a:spcBef>
-                <a:spcPts val="0"/>
-              </a:spcBef>
-              <a:buClr>
-                <a:srgbClr val="000000"/>
-              </a:buClr>
-            </a:pPr>
-            <a:r>
-              <a:rPr lang="en-US" dirty="0">
-                <a:solidFill>
-                  <a:srgbClr val="000000"/>
-                </a:solidFill>
-              </a:rPr>
-              <a:t>Lecture - Data Modeling</a:t>
-            </a:r>
-          </a:p>
-          <a:p>
-            <a:pPr marL="857250" lvl="1" indent="-228600">
-              <a:spcBef>
-                <a:spcPts val="0"/>
-              </a:spcBef>
-              <a:buClr>
-                <a:srgbClr val="000000"/>
-              </a:buClr>
-            </a:pPr>
-            <a:r>
-              <a:rPr lang="en-US" dirty="0">
-                <a:solidFill>
-                  <a:srgbClr val="000000"/>
-                </a:solidFill>
-              </a:rPr>
-              <a:t>Lab 2 - CQL</a:t>
-            </a:r>
-          </a:p>
-          <a:p>
-            <a:pPr marL="857250" lvl="1" indent="-228600">
-              <a:spcBef>
-                <a:spcPts val="0"/>
-              </a:spcBef>
-              <a:buClr>
-                <a:srgbClr val="000000"/>
-              </a:buClr>
-            </a:pPr>
-            <a:r>
-              <a:rPr lang="en-US" dirty="0">
-                <a:solidFill>
-                  <a:srgbClr val="000000"/>
-                </a:solidFill>
-              </a:rPr>
-              <a:t>Lab 3 - Primary Keys</a:t>
-            </a:r>
-          </a:p>
-          <a:p>
-            <a:pPr marL="857250" lvl="1" indent="-228600">
-              <a:spcBef>
-                <a:spcPts val="0"/>
-              </a:spcBef>
-              <a:buClr>
-                <a:srgbClr val="000000"/>
-              </a:buClr>
-            </a:pPr>
-            <a:r>
-              <a:rPr lang="en-US" dirty="0">
-                <a:solidFill>
-                  <a:srgbClr val="000000"/>
-                </a:solidFill>
-              </a:rPr>
-              <a:t>Lab 4 - Consistency</a:t>
+              <a:t>9:30-10:00 Introduction to DataStax and Cassandra </a:t>
             </a:r>
           </a:p>
           <a:p>
@@ -24224,48 +24117,12 @@
               </a:buClr>
             </a:pPr>
             <a:r>
-              <a:rPr lang="en-US" dirty="0">
+              <a:rPr lang="en-US" sz="1800" dirty="0" smtClean="0">
                 <a:solidFill>
                   <a:srgbClr val="000000"/>
                 </a:solidFill>
               </a:rPr>
-              <a:t>Search</a:t>
-            </a:r>
-          </a:p>
-          <a:p>
-            <a:pPr marL="857250" lvl="1" indent="-228600">
-              <a:spcBef>
-                <a:spcPts val="0"/>
-              </a:spcBef>
-              <a:buClr>
-                <a:srgbClr val="000000"/>
-              </a:buClr>
-            </a:pPr>
-            <a:r>
-              <a:rPr lang="en-US" dirty="0">
-                <a:solidFill>
-                  <a:srgbClr val="000000"/>
-                </a:solidFill>
-              </a:rPr>
-              <a:t>Lecture - Search</a:t>
-            </a:r>
-          </a:p>
-          <a:p>
-            <a:pPr marL="857250" lvl="1" indent="-228600">
-              <a:spcBef>
-                <a:spcPts val="0"/>
-              </a:spcBef>
-              <a:buClr>
-                <a:srgbClr val="000000"/>
-              </a:buClr>
-            </a:pPr>
-            <a:r>
-              <a:rPr lang="en-US" dirty="0">
-                <a:solidFill>
-                  <a:srgbClr val="000000"/>
-                </a:solidFill>
-              </a:rPr>
-              <a:t>Lab 5 - Search</a:t>
+              <a:t>10:00-12:00 DataStax Enterprise (DSE) on Azure Labs and Discussion </a:t>
             </a:r>
           </a:p>
           <a:p>
@@ -24278,195 +24135,12 @@
               </a:buClr>
             </a:pPr>
             <a:r>
-              <a:rPr lang="en-US" dirty="0">
+              <a:rPr lang="en-US" sz="1800" dirty="0" smtClean="0">
                 <a:solidFill>
                   <a:srgbClr val="000000"/>
                 </a:solidFill>
               </a:rPr>
-              <a:t>Analytics</a:t>
-            </a:r>
-          </a:p>
-          <a:p>
-            <a:pPr marL="857250" lvl="1" indent="-228600">
-              <a:spcBef>
-                <a:spcPts val="0"/>
-              </a:spcBef>
-              <a:buClr>
-                <a:srgbClr val="000000"/>
-              </a:buClr>
-            </a:pPr>
-            <a:r>
-              <a:rPr lang="en-US" dirty="0">
-                <a:solidFill>
-                  <a:srgbClr val="000000"/>
-                </a:solidFill>
-              </a:rPr>
-              <a:t>Lecture - Analytics</a:t>
-            </a:r>
-          </a:p>
-          <a:p>
-            <a:pPr marL="857250" lvl="1" indent="-228600">
-              <a:spcBef>
-                <a:spcPts val="0"/>
-              </a:spcBef>
-              <a:buClr>
-                <a:srgbClr val="000000"/>
-              </a:buClr>
-            </a:pPr>
-            <a:r>
-              <a:rPr lang="en-US" dirty="0">
-                <a:solidFill>
-                  <a:srgbClr val="000000"/>
-                </a:solidFill>
-              </a:rPr>
-              <a:t>Lab 6 </a:t>
-            </a:r>
-            <a:r>
-              <a:rPr lang="en-US" dirty="0" smtClean="0">
-                <a:solidFill>
-                  <a:srgbClr val="000000"/>
-                </a:solidFill>
-              </a:rPr>
-              <a:t>– Analytics</a:t>
-            </a:r>
-          </a:p>
-          <a:p>
-            <a:pPr marL="457200" indent="-228600">
-              <a:spcBef>
-                <a:spcPts val="0"/>
-              </a:spcBef>
-              <a:buClr>
-                <a:srgbClr val="000000"/>
-              </a:buClr>
-            </a:pPr>
-            <a:r>
-              <a:rPr lang="en-US" dirty="0" smtClean="0">
-                <a:solidFill>
-                  <a:srgbClr val="000000"/>
-                </a:solidFill>
-              </a:rPr>
-              <a:t>Graph</a:t>
-            </a:r>
-            <a:endParaRPr lang="en-US" dirty="0">
-              <a:solidFill>
-                <a:srgbClr val="000000"/>
-              </a:solidFill>
-            </a:endParaRPr>
-          </a:p>
-          <a:p>
-            <a:pPr marL="857250" lvl="1" indent="-228600">
-              <a:spcBef>
-                <a:spcPts val="0"/>
-              </a:spcBef>
-              <a:buClr>
-                <a:srgbClr val="000000"/>
-              </a:buClr>
-            </a:pPr>
-            <a:r>
-              <a:rPr lang="en-US" dirty="0" smtClean="0">
-                <a:solidFill>
-                  <a:srgbClr val="000000"/>
-                </a:solidFill>
-              </a:rPr>
-              <a:t>Lecture - Graph</a:t>
-            </a:r>
-            <a:endParaRPr lang="en-US" dirty="0" smtClean="0">
-              <a:solidFill>
-                <a:srgbClr val="000000"/>
-              </a:solidFill>
-            </a:endParaRPr>
-          </a:p>
-          <a:p>
-            <a:pPr marL="857250" lvl="1" indent="-228600">
-              <a:spcBef>
-                <a:spcPts val="0"/>
-              </a:spcBef>
-              <a:buClr>
-                <a:srgbClr val="000000"/>
-              </a:buClr>
-            </a:pPr>
-            <a:r>
-              <a:rPr lang="en-US" dirty="0" smtClean="0">
-                <a:solidFill>
-                  <a:srgbClr val="000000"/>
-                </a:solidFill>
-              </a:rPr>
-              <a:t>Lab 7 – Graph</a:t>
-            </a:r>
-          </a:p>
-          <a:p>
-            <a:pPr marL="457200" indent="-228600">
-              <a:spcBef>
-                <a:spcPts val="0"/>
-              </a:spcBef>
-              <a:buClr>
-                <a:srgbClr val="000000"/>
-              </a:buClr>
-            </a:pPr>
-            <a:r>
-              <a:rPr lang="en-US" dirty="0" smtClean="0">
-                <a:solidFill>
-                  <a:srgbClr val="000000"/>
-                </a:solidFill>
-              </a:rPr>
-              <a:t>Operations</a:t>
-            </a:r>
-          </a:p>
-          <a:p>
-            <a:pPr marL="857250" lvl="1" indent="-228600">
-              <a:spcBef>
-                <a:spcPts val="0"/>
-              </a:spcBef>
-              <a:buClr>
-                <a:srgbClr val="000000"/>
-              </a:buClr>
-            </a:pPr>
-            <a:r>
-              <a:rPr lang="en-US" dirty="0" smtClean="0">
-                <a:solidFill>
-                  <a:srgbClr val="000000"/>
-                </a:solidFill>
-              </a:rPr>
-              <a:t>Lecture - Operations</a:t>
-            </a:r>
-            <a:endParaRPr lang="en-US" dirty="0">
-              <a:solidFill>
-                <a:srgbClr val="000000"/>
-              </a:solidFill>
-            </a:endParaRPr>
-          </a:p>
-          <a:p>
-            <a:pPr marL="857250" lvl="1" indent="-228600">
-              <a:spcBef>
-                <a:spcPts val="0"/>
-              </a:spcBef>
-              <a:buClr>
-                <a:srgbClr val="000000"/>
-              </a:buClr>
-            </a:pPr>
-            <a:r>
-              <a:rPr lang="en-US" dirty="0">
-                <a:solidFill>
-                  <a:srgbClr val="000000"/>
-                </a:solidFill>
-              </a:rPr>
-              <a:t>Lab </a:t>
-            </a:r>
-            <a:r>
-              <a:rPr lang="en-US" dirty="0" smtClean="0">
-                <a:solidFill>
-                  <a:srgbClr val="000000"/>
-                </a:solidFill>
-              </a:rPr>
-              <a:t>8 </a:t>
-            </a:r>
-            <a:r>
-              <a:rPr lang="en-US" dirty="0">
-                <a:solidFill>
-                  <a:srgbClr val="000000"/>
-                </a:solidFill>
-              </a:rPr>
-              <a:t>- Operations</a:t>
+              <a:t>12:00-1:00 Lunch </a:t>
             </a:r>
           </a:p>
           <a:p>
@@ -24479,22 +24153,68 @@
               </a:buClr>
             </a:pPr>
             <a:r>
-              <a:rPr lang="en-US" dirty="0">
+              <a:rPr lang="en-US" sz="1800" dirty="0" smtClean="0">
                 <a:solidFill>
                   <a:srgbClr val="000000"/>
                 </a:solidFill>
               </a:rPr>
-              <a:t>Lecture - Wrap Up, Raffle and Next </a:t>
+              <a:t>1:00-2:00 DSE on Azure Labs and Discussion continued </a:t>
             </a:r>
+          </a:p>
+          <a:p>
+            <a:pPr marL="457200" lvl="0" indent="-228600">
+              <a:spcBef>
+                <a:spcPts val="0"/>
+              </a:spcBef>
+              <a:buClr>
+                <a:srgbClr val="000000"/>
+              </a:buClr>
+            </a:pPr>
             <a:r>
-              <a:rPr lang="en-US" dirty="0" smtClean="0">
+              <a:rPr lang="en-US" sz="1800" dirty="0" smtClean="0">
                 <a:solidFill>
                   <a:srgbClr val="000000"/>
                 </a:solidFill>
               </a:rPr>
-              <a:t>Steps</a:t>
+              <a:t>2:00-3:00 DSE Graph </a:t>
             </a:r>
-            <a:endParaRPr lang="en-US" dirty="0">
+          </a:p>
+          <a:p>
+            <a:pPr marL="457200" lvl="0" indent="-228600">
+              <a:spcBef>
+                <a:spcPts val="0"/>
+              </a:spcBef>
+              <a:buClr>
+                <a:srgbClr val="000000"/>
+              </a:buClr>
+            </a:pPr>
+            <a:r>
+              <a:rPr lang="en-US" sz="1800" dirty="0" smtClean="0">
+                <a:solidFill>
+                  <a:srgbClr val="000000"/>
+                </a:solidFill>
+              </a:rPr>
+              <a:t>3:00-4:00 DSE Scenario architecture team exercise </a:t>
+            </a:r>
+          </a:p>
+          <a:p>
+            <a:pPr marL="457200" lvl="0" indent="-228600">
+              <a:spcBef>
+                <a:spcPts val="0"/>
+              </a:spcBef>
+              <a:buClr>
+                <a:srgbClr val="000000"/>
+              </a:buClr>
+            </a:pPr>
+            <a:r>
+              <a:rPr lang="en-US" sz="1800" dirty="0" smtClean="0">
+                <a:solidFill>
+                  <a:srgbClr val="000000"/>
+                </a:solidFill>
+              </a:rPr>
+              <a:t>4:00-4:30 Team presentation of architecture and review, feedback from DataStax </a:t>
+            </a:r>
+            <a:endParaRPr lang="en-US" sz="1800" dirty="0">
               <a:solidFill>
                 <a:srgbClr val="000000"/>
               </a:solidFill>
@@ -24539,7 +24259,7 @@
               <a:buNone/>
             </a:pPr>
             <a:r>
-              <a:rPr lang="en-US" sz="600">
+              <a:rPr lang="en-US" sz="600" smtClean="0">
                 <a:solidFill>
                   <a:srgbClr val="BFBFBF"/>
                 </a:solidFill>
@@ -24551,11 +24271,11 @@
               <a:t>© 201</a:t>
             </a:r>
             <a:r>
-              <a:rPr lang="en-US"/>
+              <a:rPr lang="en-US" smtClean="0"/>
               <a:t>6</a:t>
             </a:r>
             <a:r>
-              <a:rPr lang="en-US" sz="600">
+              <a:rPr lang="en-US" sz="600" smtClean="0">
                 <a:solidFill>
                   <a:srgbClr val="BFBFBF"/>
                 </a:solidFill>
@@ -24566,6 +24286,15 @@
               </a:rPr>
               <a:t> DataStax, All Rights Reserved.</a:t>
             </a:r>
+            <a:endParaRPr lang="en-US" sz="600">
+              <a:solidFill>
+                <a:srgbClr val="BFBFBF"/>
+              </a:solidFill>
+              <a:latin typeface="Helvetica Neue"/>
+              <a:ea typeface="Helvetica Neue"/>
+              <a:cs typeface="Helvetica Neue"/>
+              <a:sym typeface="Helvetica Neue"/>
+            </a:endParaRPr>
           </a:p>
         </p:txBody>
       </p:sp>
@@ -27047,29 +26776,26 @@
       </p:sp>
       <p:pic>
         <p:nvPicPr>
-          <p:cNvPr id="293" name="Shape 293"/>
-          <p:cNvPicPr preferRelativeResize="0"/>
+          <p:cNvPr id="3" name="Picture 2"/>
+          <p:cNvPicPr>
+            <a:picLocks noChangeAspect="1"/>
+          </p:cNvPicPr>
           <p:nvPr/>
         </p:nvPicPr>
-        <p:blipFill rotWithShape="1">
-          <a:blip r:embed="rId3">
-            <a:alphaModFix/>
-          </a:blip>
-          <a:srcRect/>
-          <a:stretch/>
+        <p:blipFill>
+          <a:blip r:embed="rId3"/>
+          <a:stretch>
+            <a:fillRect/>
+          </a:stretch>
         </p:blipFill>
         <p:spPr>
           <a:xfrm>
-            <a:off x="2548411" y="840717"/>
-            <a:ext cx="4047000" cy="3984300"/>
+            <a:off x="2600325" y="836259"/>
+            <a:ext cx="3943350" cy="3943350"/>
           </a:xfrm>
           <a:prstGeom prst="rect">
             <a:avLst/>
           </a:prstGeom>
-          <a:noFill/>
-          <a:ln>
-            <a:noFill/>
-          </a:ln>
         </p:spPr>
       </p:pic>
     </p:spTree>

--- a/lectures/Lecture 1 - Introduction.pptx
+++ b/lectures/Lecture 1 - Introduction.pptx
@@ -23728,7 +23728,7 @@
         <p:spPr>
           <a:xfrm>
             <a:off x="457200" y="2283717"/>
-            <a:ext cx="8229600" cy="857400"/>
+            <a:ext cx="5327780" cy="857400"/>
           </a:xfrm>
           <a:prstGeom prst="rect">
             <a:avLst/>
@@ -23885,6 +23885,47 @@
           </a:p>
         </p:txBody>
       </p:sp>
+      <p:pic>
+        <p:nvPicPr>
+          <p:cNvPr id="5" name="Picture 2" descr="https://lh4.googleusercontent.com/S34j9hYJ8iTSslnIDUFC_cQaOdCUdUs5cW3t21ic_4ic5DHHl_aK0no9srRbSwtlsTRhUYr2bOsLpnmRf1uEJPQipsfhVO_TuuR2rDxrkMhyRKTRh-eYWTQJtIaKLQqGMIdFtuneauA"/>
+          <p:cNvPicPr>
+            <a:picLocks noChangeAspect="1" noChangeArrowheads="1"/>
+          </p:cNvPicPr>
+          <p:nvPr/>
+        </p:nvPicPr>
+        <p:blipFill>
+          <a:blip r:embed="rId4">
+            <a:extLst>
+              <a:ext uri="{28A0092B-C50C-407E-A947-70E740481C1C}">
+                <a14:useLocalDpi xmlns:a14="http://schemas.microsoft.com/office/drawing/2010/main" val="0"/>
+              </a:ext>
+            </a:extLst>
+          </a:blip>
+          <a:srcRect/>
+          <a:stretch>
+            <a:fillRect/>
+          </a:stretch>
+        </p:blipFill>
+        <p:spPr bwMode="auto">
+          <a:xfrm>
+            <a:off x="4800600" y="0"/>
+            <a:ext cx="4343400" cy="2571750"/>
+          </a:xfrm>
+          <a:prstGeom prst="rect">
+            <a:avLst/>
+          </a:prstGeom>
+          <a:noFill/>
+          <a:extLst>
+            <a:ext uri="{909E8E84-426E-40DD-AFC4-6F175D3DCCD1}">
+              <a14:hiddenFill xmlns:a14="http://schemas.microsoft.com/office/drawing/2010/main">
+                <a:solidFill>
+                  <a:srgbClr val="FFFFFF"/>
+                </a:solidFill>
+              </a14:hiddenFill>
+            </a:ext>
+          </a:extLst>
+        </p:spPr>
+      </p:pic>
     </p:spTree>
   </p:cSld>
   <p:clrMapOvr>
